--- a/image/Flowchart.pptx
+++ b/image/Flowchart.pptx
@@ -243,7 +243,7 @@
           <a:p>
             <a:fld id="{69D58FC3-E0AD-4378-844B-ECFF1FF8DB8F}" type="datetimeFigureOut">
               <a:rPr lang="en-US" smtClean="0"/>
-              <a:t>4/22/2018</a:t>
+              <a:t>4/27/2018</a:t>
             </a:fld>
             <a:endParaRPr lang="en-US"/>
           </a:p>
@@ -413,7 +413,7 @@
           <a:p>
             <a:fld id="{69D58FC3-E0AD-4378-844B-ECFF1FF8DB8F}" type="datetimeFigureOut">
               <a:rPr lang="en-US" smtClean="0"/>
-              <a:t>4/22/2018</a:t>
+              <a:t>4/27/2018</a:t>
             </a:fld>
             <a:endParaRPr lang="en-US"/>
           </a:p>
@@ -593,7 +593,7 @@
           <a:p>
             <a:fld id="{69D58FC3-E0AD-4378-844B-ECFF1FF8DB8F}" type="datetimeFigureOut">
               <a:rPr lang="en-US" smtClean="0"/>
-              <a:t>4/22/2018</a:t>
+              <a:t>4/27/2018</a:t>
             </a:fld>
             <a:endParaRPr lang="en-US"/>
           </a:p>
@@ -763,7 +763,7 @@
           <a:p>
             <a:fld id="{69D58FC3-E0AD-4378-844B-ECFF1FF8DB8F}" type="datetimeFigureOut">
               <a:rPr lang="en-US" smtClean="0"/>
-              <a:t>4/22/2018</a:t>
+              <a:t>4/27/2018</a:t>
             </a:fld>
             <a:endParaRPr lang="en-US"/>
           </a:p>
@@ -1009,7 +1009,7 @@
           <a:p>
             <a:fld id="{69D58FC3-E0AD-4378-844B-ECFF1FF8DB8F}" type="datetimeFigureOut">
               <a:rPr lang="en-US" smtClean="0"/>
-              <a:t>4/22/2018</a:t>
+              <a:t>4/27/2018</a:t>
             </a:fld>
             <a:endParaRPr lang="en-US"/>
           </a:p>
@@ -1241,7 +1241,7 @@
           <a:p>
             <a:fld id="{69D58FC3-E0AD-4378-844B-ECFF1FF8DB8F}" type="datetimeFigureOut">
               <a:rPr lang="en-US" smtClean="0"/>
-              <a:t>4/22/2018</a:t>
+              <a:t>4/27/2018</a:t>
             </a:fld>
             <a:endParaRPr lang="en-US"/>
           </a:p>
@@ -1608,7 +1608,7 @@
           <a:p>
             <a:fld id="{69D58FC3-E0AD-4378-844B-ECFF1FF8DB8F}" type="datetimeFigureOut">
               <a:rPr lang="en-US" smtClean="0"/>
-              <a:t>4/22/2018</a:t>
+              <a:t>4/27/2018</a:t>
             </a:fld>
             <a:endParaRPr lang="en-US"/>
           </a:p>
@@ -1726,7 +1726,7 @@
           <a:p>
             <a:fld id="{69D58FC3-E0AD-4378-844B-ECFF1FF8DB8F}" type="datetimeFigureOut">
               <a:rPr lang="en-US" smtClean="0"/>
-              <a:t>4/22/2018</a:t>
+              <a:t>4/27/2018</a:t>
             </a:fld>
             <a:endParaRPr lang="en-US"/>
           </a:p>
@@ -1821,7 +1821,7 @@
           <a:p>
             <a:fld id="{69D58FC3-E0AD-4378-844B-ECFF1FF8DB8F}" type="datetimeFigureOut">
               <a:rPr lang="en-US" smtClean="0"/>
-              <a:t>4/22/2018</a:t>
+              <a:t>4/27/2018</a:t>
             </a:fld>
             <a:endParaRPr lang="en-US"/>
           </a:p>
@@ -2098,7 +2098,7 @@
           <a:p>
             <a:fld id="{69D58FC3-E0AD-4378-844B-ECFF1FF8DB8F}" type="datetimeFigureOut">
               <a:rPr lang="en-US" smtClean="0"/>
-              <a:t>4/22/2018</a:t>
+              <a:t>4/27/2018</a:t>
             </a:fld>
             <a:endParaRPr lang="en-US"/>
           </a:p>
@@ -2351,7 +2351,7 @@
           <a:p>
             <a:fld id="{69D58FC3-E0AD-4378-844B-ECFF1FF8DB8F}" type="datetimeFigureOut">
               <a:rPr lang="en-US" smtClean="0"/>
-              <a:t>4/22/2018</a:t>
+              <a:t>4/27/2018</a:t>
             </a:fld>
             <a:endParaRPr lang="en-US"/>
           </a:p>
@@ -2564,7 +2564,7 @@
           <a:p>
             <a:fld id="{69D58FC3-E0AD-4378-844B-ECFF1FF8DB8F}" type="datetimeFigureOut">
               <a:rPr lang="en-US" smtClean="0"/>
-              <a:t>4/22/2018</a:t>
+              <a:t>4/27/2018</a:t>
             </a:fld>
             <a:endParaRPr lang="en-US"/>
           </a:p>
@@ -2971,14 +2971,85 @@
       </p:grpSpPr>
       <p:sp>
         <p:nvSpPr>
+          <p:cNvPr id="24" name="TextBox 23"/>
+          <p:cNvSpPr txBox="1"/>
+          <p:nvPr/>
+        </p:nvSpPr>
+        <p:spPr>
+          <a:xfrm>
+            <a:off x="7694384" y="257379"/>
+            <a:ext cx="4290787" cy="2585323"/>
+          </a:xfrm>
+          <a:prstGeom prst="rect">
+            <a:avLst/>
+          </a:prstGeom>
+          <a:solidFill>
+            <a:schemeClr val="accent3">
+              <a:lumMod val="20000"/>
+              <a:lumOff val="80000"/>
+            </a:schemeClr>
+          </a:solidFill>
+        </p:spPr>
+        <p:txBody>
+          <a:bodyPr wrap="square" rtlCol="0">
+            <a:spAutoFit/>
+          </a:bodyPr>
+          <a:lstStyle/>
+          <a:p>
+            <a:pPr algn="ctr"/>
+            <a:r>
+              <a:rPr lang="en-US" dirty="0" smtClean="0"/>
+              <a:t>Conducting End-of-Day Analysis </a:t>
+            </a:r>
+          </a:p>
+          <a:p>
+            <a:pPr algn="ctr"/>
+            <a:r>
+              <a:rPr lang="en-US" dirty="0" smtClean="0"/>
+              <a:t>(Batch Processing)</a:t>
+            </a:r>
+            <a:endParaRPr lang="en-US" dirty="0" smtClean="0"/>
+          </a:p>
+          <a:p>
+            <a:pPr algn="ctr"/>
+            <a:endParaRPr lang="en-US" dirty="0"/>
+          </a:p>
+          <a:p>
+            <a:pPr algn="ctr"/>
+            <a:endParaRPr lang="en-US" dirty="0" smtClean="0"/>
+          </a:p>
+          <a:p>
+            <a:pPr algn="ctr"/>
+            <a:endParaRPr lang="en-US" dirty="0"/>
+          </a:p>
+          <a:p>
+            <a:pPr algn="ctr"/>
+            <a:endParaRPr lang="en-US" dirty="0" smtClean="0"/>
+          </a:p>
+          <a:p>
+            <a:pPr algn="ctr"/>
+            <a:endParaRPr lang="en-US" dirty="0"/>
+          </a:p>
+          <a:p>
+            <a:pPr algn="ctr"/>
+            <a:endParaRPr lang="en-US" dirty="0" smtClean="0"/>
+          </a:p>
+          <a:p>
+            <a:pPr algn="ctr"/>
+            <a:endParaRPr lang="en-US" dirty="0" smtClean="0"/>
+          </a:p>
+        </p:txBody>
+      </p:sp>
+      <p:sp>
+        <p:nvSpPr>
           <p:cNvPr id="21" name="TextBox 20"/>
           <p:cNvSpPr txBox="1"/>
           <p:nvPr/>
         </p:nvSpPr>
         <p:spPr>
           <a:xfrm>
-            <a:off x="2513821" y="382381"/>
-            <a:ext cx="4715654" cy="2585323"/>
+            <a:off x="2628259" y="257379"/>
+            <a:ext cx="4018826" cy="2585323"/>
           </a:xfrm>
           <a:prstGeom prst="rect">
             <a:avLst/>
@@ -3059,7 +3130,7 @@
         </p:blipFill>
         <p:spPr bwMode="auto">
           <a:xfrm>
-            <a:off x="299822" y="2598819"/>
+            <a:off x="159371" y="1183614"/>
             <a:ext cx="1143000" cy="1143000"/>
           </a:xfrm>
           <a:prstGeom prst="rect">
@@ -3100,48 +3171,7 @@
         </p:blipFill>
         <p:spPr bwMode="auto">
           <a:xfrm>
-            <a:off x="2669374" y="1393604"/>
-            <a:ext cx="1143000" cy="1143000"/>
-          </a:xfrm>
-          <a:prstGeom prst="rect">
-            <a:avLst/>
-          </a:prstGeom>
-          <a:noFill/>
-          <a:extLst>
-            <a:ext uri="{909E8E84-426E-40DD-AFC4-6F175D3DCCD1}">
-              <a14:hiddenFill xmlns:a14="http://schemas.microsoft.com/office/drawing/2010/main">
-                <a:solidFill>
-                  <a:srgbClr val="FFFFFF"/>
-                </a:solidFill>
-              </a14:hiddenFill>
-            </a:ext>
-          </a:extLst>
-        </p:spPr>
-      </p:pic>
-      <p:pic>
-        <p:nvPicPr>
-          <p:cNvPr id="1032" name="Picture 8" descr="Image result for flink"/>
-          <p:cNvPicPr>
-            <a:picLocks noChangeArrowheads="1"/>
-          </p:cNvPicPr>
-          <p:nvPr/>
-        </p:nvPicPr>
-        <p:blipFill>
-          <a:blip r:embed="rId4" cstate="print">
-            <a:extLst>
-              <a:ext uri="{28A0092B-C50C-407E-A947-70E740481C1C}">
-                <a14:useLocalDpi xmlns:a14="http://schemas.microsoft.com/office/drawing/2010/main" val="0"/>
-              </a:ext>
-            </a:extLst>
-          </a:blip>
-          <a:srcRect/>
-          <a:stretch>
-            <a:fillRect/>
-          </a:stretch>
-        </p:blipFill>
-        <p:spPr bwMode="auto">
-          <a:xfrm>
-            <a:off x="5425296" y="1312191"/>
+            <a:off x="2766127" y="1214379"/>
             <a:ext cx="1143000" cy="1143000"/>
           </a:xfrm>
           <a:prstGeom prst="rect">
@@ -3168,7 +3198,7 @@
           <p:nvPr/>
         </p:nvPicPr>
         <p:blipFill>
-          <a:blip r:embed="rId5" cstate="print">
+          <a:blip r:embed="rId4" cstate="print">
             <a:extLst>
               <a:ext uri="{28A0092B-C50C-407E-A947-70E740481C1C}">
                 <a14:useLocalDpi xmlns:a14="http://schemas.microsoft.com/office/drawing/2010/main" val="0"/>
@@ -3182,7 +3212,7 @@
         </p:blipFill>
         <p:spPr bwMode="auto">
           <a:xfrm>
-            <a:off x="5570520" y="3594095"/>
+            <a:off x="7943304" y="1214379"/>
             <a:ext cx="1143000" cy="1143000"/>
           </a:xfrm>
           <a:prstGeom prst="rect">
@@ -3209,7 +3239,7 @@
           <p:nvPr/>
         </p:nvPicPr>
         <p:blipFill>
-          <a:blip r:embed="rId6">
+          <a:blip r:embed="rId5">
             <a:extLst>
               <a:ext uri="{28A0092B-C50C-407E-A947-70E740481C1C}">
                 <a14:useLocalDpi xmlns:a14="http://schemas.microsoft.com/office/drawing/2010/main" val="0"/>
@@ -3223,7 +3253,7 @@
         </p:blipFill>
         <p:spPr bwMode="auto">
           <a:xfrm>
-            <a:off x="8908271" y="2451095"/>
+            <a:off x="7534702" y="4135365"/>
             <a:ext cx="1143000" cy="1143000"/>
           </a:xfrm>
           <a:prstGeom prst="rect">
@@ -3248,8 +3278,8 @@
           <p:nvPr/>
         </p:nvSpPr>
         <p:spPr>
-          <a:xfrm rot="19996828">
-            <a:off x="1560520" y="2479398"/>
+          <a:xfrm>
+            <a:off x="1499421" y="1550042"/>
             <a:ext cx="895350" cy="361197"/>
           </a:xfrm>
           <a:prstGeom prst="rightArrow">
@@ -3289,7 +3319,7 @@
         </p:nvSpPr>
         <p:spPr>
           <a:xfrm>
-            <a:off x="211309" y="3809246"/>
+            <a:off x="69180" y="257379"/>
             <a:ext cx="1320026" cy="646331"/>
           </a:xfrm>
           <a:prstGeom prst="rect">
@@ -3308,7 +3338,11 @@
             <a:pPr algn="ctr"/>
             <a:r>
               <a:rPr lang="en-US" dirty="0" smtClean="0"/>
-              <a:t>Options Flow Data</a:t>
+              <a:t>Options </a:t>
+            </a:r>
+            <a:r>
+              <a:rPr lang="en-US" dirty="0" smtClean="0"/>
+              <a:t>Flow Data</a:t>
             </a:r>
             <a:endParaRPr lang="en-US" dirty="0"/>
           </a:p>
@@ -3322,7 +3356,7 @@
         </p:nvSpPr>
         <p:spPr>
           <a:xfrm>
-            <a:off x="4104485" y="1732420"/>
+            <a:off x="4201238" y="1553195"/>
             <a:ext cx="895350" cy="361197"/>
           </a:xfrm>
           <a:prstGeom prst="rightArrow">
@@ -3356,54 +3390,14 @@
       </p:sp>
       <p:sp>
         <p:nvSpPr>
-          <p:cNvPr id="20" name="Right Arrow 19"/>
-          <p:cNvSpPr/>
-          <p:nvPr/>
-        </p:nvSpPr>
-        <p:spPr>
-          <a:xfrm rot="644986">
-            <a:off x="1675189" y="3492194"/>
-            <a:ext cx="3485370" cy="361197"/>
-          </a:xfrm>
-          <a:prstGeom prst="rightArrow">
-            <a:avLst/>
-          </a:prstGeom>
-        </p:spPr>
-        <p:style>
-          <a:lnRef idx="2">
-            <a:schemeClr val="accent1">
-              <a:shade val="50000"/>
-            </a:schemeClr>
-          </a:lnRef>
-          <a:fillRef idx="1">
-            <a:schemeClr val="accent1"/>
-          </a:fillRef>
-          <a:effectRef idx="0">
-            <a:schemeClr val="accent1"/>
-          </a:effectRef>
-          <a:fontRef idx="minor">
-            <a:schemeClr val="lt1"/>
-          </a:fontRef>
-        </p:style>
-        <p:txBody>
-          <a:bodyPr rtlCol="0" anchor="ctr"/>
-          <a:lstStyle/>
-          <a:p>
-            <a:pPr algn="ctr"/>
-            <a:endParaRPr lang="en-US"/>
-          </a:p>
-        </p:txBody>
-      </p:sp>
-      <p:sp>
-        <p:nvSpPr>
-          <p:cNvPr id="22" name="TextBox 21"/>
+          <p:cNvPr id="16" name="TextBox 15"/>
           <p:cNvSpPr txBox="1"/>
           <p:nvPr/>
         </p:nvSpPr>
         <p:spPr>
           <a:xfrm>
-            <a:off x="5642169" y="6066860"/>
-            <a:ext cx="1320026" cy="646331"/>
+            <a:off x="7710621" y="5585815"/>
+            <a:ext cx="1536372" cy="369332"/>
           </a:xfrm>
           <a:prstGeom prst="rect">
             <a:avLst/>
@@ -3420,45 +3414,8 @@
           <a:p>
             <a:pPr algn="ctr"/>
             <a:r>
-              <a:rPr lang="en-US" smtClean="0"/>
-              <a:t>Batch </a:t>
-            </a:r>
-            <a:r>
               <a:rPr lang="en-US" dirty="0" smtClean="0"/>
-              <a:t>Processing</a:t>
-            </a:r>
-            <a:endParaRPr lang="en-US" dirty="0"/>
-          </a:p>
-        </p:txBody>
-      </p:sp>
-      <p:sp>
-        <p:nvSpPr>
-          <p:cNvPr id="16" name="TextBox 15"/>
-          <p:cNvSpPr txBox="1"/>
-          <p:nvPr/>
-        </p:nvSpPr>
-        <p:spPr>
-          <a:xfrm>
-            <a:off x="8819758" y="3924917"/>
-            <a:ext cx="1320026" cy="369332"/>
-          </a:xfrm>
-          <a:prstGeom prst="rect">
-            <a:avLst/>
-          </a:prstGeom>
-          <a:solidFill>
-            <a:schemeClr val="bg2"/>
-          </a:solidFill>
-        </p:spPr>
-        <p:txBody>
-          <a:bodyPr wrap="square" rtlCol="0">
-            <a:spAutoFit/>
-          </a:bodyPr>
-          <a:lstStyle/>
-          <a:p>
-            <a:pPr algn="ctr"/>
-            <a:r>
-              <a:rPr lang="en-US" dirty="0" smtClean="0"/>
-              <a:t>UI</a:t>
+              <a:t>User Interface</a:t>
             </a:r>
             <a:endParaRPr lang="en-US" dirty="0"/>
           </a:p>
@@ -3471,8 +3428,8 @@
           <p:nvPr/>
         </p:nvSpPr>
         <p:spPr>
-          <a:xfrm rot="5400000">
-            <a:off x="5585395" y="2816468"/>
+          <a:xfrm>
+            <a:off x="6799034" y="1550042"/>
             <a:ext cx="895350" cy="361197"/>
           </a:xfrm>
           <a:prstGeom prst="rightArrow">
@@ -3504,15 +3461,138 @@
           </a:p>
         </p:txBody>
       </p:sp>
-      <p:sp>
-        <p:nvSpPr>
-          <p:cNvPr id="2" name="Left-Right Arrow 1"/>
+      <p:pic>
+        <p:nvPicPr>
+          <p:cNvPr id="1026" name="Picture 2" descr="Image result for spark"/>
+          <p:cNvPicPr>
+            <a:picLocks noChangeArrowheads="1"/>
+          </p:cNvPicPr>
+          <p:nvPr/>
+        </p:nvPicPr>
+        <p:blipFill>
+          <a:blip r:embed="rId6">
+            <a:extLst>
+              <a:ext uri="{28A0092B-C50C-407E-A947-70E740481C1C}">
+                <a14:useLocalDpi xmlns:a14="http://schemas.microsoft.com/office/drawing/2010/main" val="0"/>
+              </a:ext>
+            </a:extLst>
+          </a:blip>
+          <a:srcRect/>
+          <a:stretch>
+            <a:fillRect/>
+          </a:stretch>
+        </p:blipFill>
+        <p:spPr bwMode="auto">
+          <a:xfrm>
+            <a:off x="10726779" y="1061869"/>
+            <a:ext cx="1143000" cy="1143000"/>
+          </a:xfrm>
+          <a:prstGeom prst="rect">
+            <a:avLst/>
+          </a:prstGeom>
+          <a:noFill/>
+          <a:extLst>
+            <a:ext uri="{909E8E84-426E-40DD-AFC4-6F175D3DCCD1}">
+              <a14:hiddenFill xmlns:a14="http://schemas.microsoft.com/office/drawing/2010/main">
+                <a:solidFill>
+                  <a:srgbClr val="FFFFFF"/>
+                </a:solidFill>
+              </a14:hiddenFill>
+            </a:ext>
+          </a:extLst>
+        </p:spPr>
+      </p:pic>
+      <p:pic>
+        <p:nvPicPr>
+          <p:cNvPr id="3" name="Picture 2" descr="Related image"/>
+          <p:cNvPicPr>
+            <a:picLocks noChangeArrowheads="1"/>
+          </p:cNvPicPr>
+          <p:nvPr/>
+        </p:nvPicPr>
+        <p:blipFill>
+          <a:blip r:embed="rId7">
+            <a:extLst>
+              <a:ext uri="{28A0092B-C50C-407E-A947-70E740481C1C}">
+                <a14:useLocalDpi xmlns:a14="http://schemas.microsoft.com/office/drawing/2010/main" val="0"/>
+              </a:ext>
+            </a:extLst>
+          </a:blip>
+          <a:srcRect/>
+          <a:stretch>
+            <a:fillRect/>
+          </a:stretch>
+        </p:blipFill>
+        <p:spPr bwMode="auto">
+          <a:xfrm>
+            <a:off x="5324400" y="1217280"/>
+            <a:ext cx="1143000" cy="1143000"/>
+          </a:xfrm>
+          <a:prstGeom prst="rect">
+            <a:avLst/>
+          </a:prstGeom>
+          <a:noFill/>
+          <a:extLst>
+            <a:ext uri="{909E8E84-426E-40DD-AFC4-6F175D3DCCD1}">
+              <a14:hiddenFill xmlns:a14="http://schemas.microsoft.com/office/drawing/2010/main">
+                <a:solidFill>
+                  <a:srgbClr val="FFFFFF"/>
+                </a:solidFill>
+              </a14:hiddenFill>
+            </a:ext>
+          </a:extLst>
+        </p:spPr>
+      </p:pic>
+      <p:pic>
+        <p:nvPicPr>
+          <p:cNvPr id="4" name="Picture 4" descr="Image result for ajax"/>
+          <p:cNvPicPr>
+            <a:picLocks noChangeArrowheads="1"/>
+          </p:cNvPicPr>
+          <p:nvPr/>
+        </p:nvPicPr>
+        <p:blipFill>
+          <a:blip r:embed="rId8" cstate="print">
+            <a:extLst>
+              <a:ext uri="{28A0092B-C50C-407E-A947-70E740481C1C}">
+                <a14:useLocalDpi xmlns:a14="http://schemas.microsoft.com/office/drawing/2010/main" val="0"/>
+              </a:ext>
+            </a:extLst>
+          </a:blip>
+          <a:srcRect/>
+          <a:stretch>
+            <a:fillRect/>
+          </a:stretch>
+        </p:blipFill>
+        <p:spPr bwMode="auto">
+          <a:xfrm>
+            <a:off x="8514804" y="4135365"/>
+            <a:ext cx="1143000" cy="1143000"/>
+          </a:xfrm>
+          <a:prstGeom prst="rect">
+            <a:avLst/>
+          </a:prstGeom>
+          <a:noFill/>
+          <a:extLst>
+            <a:ext uri="{909E8E84-426E-40DD-AFC4-6F175D3DCCD1}">
+              <a14:hiddenFill xmlns:a14="http://schemas.microsoft.com/office/drawing/2010/main">
+                <a:solidFill>
+                  <a:srgbClr val="FFFFFF"/>
+                </a:solidFill>
+              </a14:hiddenFill>
+            </a:ext>
+          </a:extLst>
+        </p:spPr>
+      </p:pic>
+      <p:sp>
+        <p:nvSpPr>
+          <p:cNvPr id="23" name="Left-Right Arrow 22"/>
           <p:cNvSpPr/>
           <p:nvPr/>
         </p:nvSpPr>
         <p:spPr>
           <a:xfrm>
-            <a:off x="7572310" y="3058469"/>
+            <a:off x="9181226" y="1550042"/>
             <a:ext cx="1174197" cy="410144"/>
           </a:xfrm>
           <a:prstGeom prst="leftRightArrow">
@@ -3544,47 +3624,46 @@
           </a:p>
         </p:txBody>
       </p:sp>
-      <p:pic>
-        <p:nvPicPr>
-          <p:cNvPr id="1026" name="Picture 2" descr="Image result for spark"/>
-          <p:cNvPicPr>
-            <a:picLocks noChangeArrowheads="1"/>
-          </p:cNvPicPr>
+      <p:sp>
+        <p:nvSpPr>
+          <p:cNvPr id="25" name="Right Arrow 24"/>
+          <p:cNvSpPr/>
           <p:nvPr/>
-        </p:nvPicPr>
-        <p:blipFill>
-          <a:blip r:embed="rId7">
-            <a:extLst>
-              <a:ext uri="{28A0092B-C50C-407E-A947-70E740481C1C}">
-                <a14:useLocalDpi xmlns:a14="http://schemas.microsoft.com/office/drawing/2010/main" val="0"/>
-              </a:ext>
-            </a:extLst>
-          </a:blip>
-          <a:srcRect/>
-          <a:stretch>
-            <a:fillRect/>
-          </a:stretch>
-        </p:blipFill>
-        <p:spPr bwMode="auto">
-          <a:xfrm>
-            <a:off x="5642169" y="4737095"/>
-            <a:ext cx="1143000" cy="1143000"/>
+        </p:nvSpPr>
+        <p:spPr>
+          <a:xfrm rot="5400000">
+            <a:off x="8067129" y="3397346"/>
+            <a:ext cx="895350" cy="361197"/>
           </a:xfrm>
-          <a:prstGeom prst="rect">
+          <a:prstGeom prst="rightArrow">
             <a:avLst/>
           </a:prstGeom>
-          <a:noFill/>
-          <a:extLst>
-            <a:ext uri="{909E8E84-426E-40DD-AFC4-6F175D3DCCD1}">
-              <a14:hiddenFill xmlns:a14="http://schemas.microsoft.com/office/drawing/2010/main">
-                <a:solidFill>
-                  <a:srgbClr val="FFFFFF"/>
-                </a:solidFill>
-              </a14:hiddenFill>
-            </a:ext>
-          </a:extLst>
         </p:spPr>
-      </p:pic>
+        <p:style>
+          <a:lnRef idx="2">
+            <a:schemeClr val="accent1">
+              <a:shade val="50000"/>
+            </a:schemeClr>
+          </a:lnRef>
+          <a:fillRef idx="1">
+            <a:schemeClr val="accent1"/>
+          </a:fillRef>
+          <a:effectRef idx="0">
+            <a:schemeClr val="accent1"/>
+          </a:effectRef>
+          <a:fontRef idx="minor">
+            <a:schemeClr val="lt1"/>
+          </a:fontRef>
+        </p:style>
+        <p:txBody>
+          <a:bodyPr rtlCol="0" anchor="ctr"/>
+          <a:lstStyle/>
+          <a:p>
+            <a:pPr algn="ctr"/>
+            <a:endParaRPr lang="en-US"/>
+          </a:p>
+        </p:txBody>
+      </p:sp>
     </p:spTree>
     <p:extLst>
       <p:ext uri="{BB962C8B-B14F-4D97-AF65-F5344CB8AC3E}">
